--- a/figures/surplus.pptx
+++ b/figures/surplus.pptx
@@ -104,6 +104,11 @@
       </a:defRPr>
     </a:lvl9pPr>
   </p:defaultTextStyle>
+  <p:extLst>
+    <p:ext uri="{EFAFB233-063F-42B5-8137-9DF3F51BA10A}">
+      <p15:sldGuideLst xmlns:p15="http://schemas.microsoft.com/office/powerpoint/2012/main"/>
+    </p:ext>
+  </p:extLst>
 </p:presentation>
 </file>
 
@@ -256,7 +261,7 @@
           <a:p>
             <a:fld id="{B15E50E1-81D5-3E44-9451-F641234C4B7F}" type="datetimeFigureOut">
               <a:rPr lang="fr-FR" smtClean="0"/>
-              <a:t>04/11/2020</a:t>
+              <a:t>05/11/2020</a:t>
             </a:fld>
             <a:endParaRPr lang="fr-FR"/>
           </a:p>
@@ -456,7 +461,7 @@
           <a:p>
             <a:fld id="{B15E50E1-81D5-3E44-9451-F641234C4B7F}" type="datetimeFigureOut">
               <a:rPr lang="fr-FR" smtClean="0"/>
-              <a:t>04/11/2020</a:t>
+              <a:t>05/11/2020</a:t>
             </a:fld>
             <a:endParaRPr lang="fr-FR"/>
           </a:p>
@@ -666,7 +671,7 @@
           <a:p>
             <a:fld id="{B15E50E1-81D5-3E44-9451-F641234C4B7F}" type="datetimeFigureOut">
               <a:rPr lang="fr-FR" smtClean="0"/>
-              <a:t>04/11/2020</a:t>
+              <a:t>05/11/2020</a:t>
             </a:fld>
             <a:endParaRPr lang="fr-FR"/>
           </a:p>
@@ -866,7 +871,7 @@
           <a:p>
             <a:fld id="{B15E50E1-81D5-3E44-9451-F641234C4B7F}" type="datetimeFigureOut">
               <a:rPr lang="fr-FR" smtClean="0"/>
-              <a:t>04/11/2020</a:t>
+              <a:t>05/11/2020</a:t>
             </a:fld>
             <a:endParaRPr lang="fr-FR"/>
           </a:p>
@@ -1142,7 +1147,7 @@
           <a:p>
             <a:fld id="{B15E50E1-81D5-3E44-9451-F641234C4B7F}" type="datetimeFigureOut">
               <a:rPr lang="fr-FR" smtClean="0"/>
-              <a:t>04/11/2020</a:t>
+              <a:t>05/11/2020</a:t>
             </a:fld>
             <a:endParaRPr lang="fr-FR"/>
           </a:p>
@@ -1410,7 +1415,7 @@
           <a:p>
             <a:fld id="{B15E50E1-81D5-3E44-9451-F641234C4B7F}" type="datetimeFigureOut">
               <a:rPr lang="fr-FR" smtClean="0"/>
-              <a:t>04/11/2020</a:t>
+              <a:t>05/11/2020</a:t>
             </a:fld>
             <a:endParaRPr lang="fr-FR"/>
           </a:p>
@@ -1825,7 +1830,7 @@
           <a:p>
             <a:fld id="{B15E50E1-81D5-3E44-9451-F641234C4B7F}" type="datetimeFigureOut">
               <a:rPr lang="fr-FR" smtClean="0"/>
-              <a:t>04/11/2020</a:t>
+              <a:t>05/11/2020</a:t>
             </a:fld>
             <a:endParaRPr lang="fr-FR"/>
           </a:p>
@@ -1967,7 +1972,7 @@
           <a:p>
             <a:fld id="{B15E50E1-81D5-3E44-9451-F641234C4B7F}" type="datetimeFigureOut">
               <a:rPr lang="fr-FR" smtClean="0"/>
-              <a:t>04/11/2020</a:t>
+              <a:t>05/11/2020</a:t>
             </a:fld>
             <a:endParaRPr lang="fr-FR"/>
           </a:p>
@@ -2080,7 +2085,7 @@
           <a:p>
             <a:fld id="{B15E50E1-81D5-3E44-9451-F641234C4B7F}" type="datetimeFigureOut">
               <a:rPr lang="fr-FR" smtClean="0"/>
-              <a:t>04/11/2020</a:t>
+              <a:t>05/11/2020</a:t>
             </a:fld>
             <a:endParaRPr lang="fr-FR"/>
           </a:p>
@@ -2393,7 +2398,7 @@
           <a:p>
             <a:fld id="{B15E50E1-81D5-3E44-9451-F641234C4B7F}" type="datetimeFigureOut">
               <a:rPr lang="fr-FR" smtClean="0"/>
-              <a:t>04/11/2020</a:t>
+              <a:t>05/11/2020</a:t>
             </a:fld>
             <a:endParaRPr lang="fr-FR"/>
           </a:p>
@@ -2682,7 +2687,7 @@
           <a:p>
             <a:fld id="{B15E50E1-81D5-3E44-9451-F641234C4B7F}" type="datetimeFigureOut">
               <a:rPr lang="fr-FR" smtClean="0"/>
-              <a:t>04/11/2020</a:t>
+              <a:t>05/11/2020</a:t>
             </a:fld>
             <a:endParaRPr lang="fr-FR"/>
           </a:p>
@@ -2925,7 +2930,7 @@
           <a:p>
             <a:fld id="{B15E50E1-81D5-3E44-9451-F641234C4B7F}" type="datetimeFigureOut">
               <a:rPr lang="fr-FR" smtClean="0"/>
-              <a:t>04/11/2020</a:t>
+              <a:t>05/11/2020</a:t>
             </a:fld>
             <a:endParaRPr lang="fr-FR"/>
           </a:p>
@@ -3470,7 +3475,7 @@
         <p:spPr>
           <a:xfrm>
             <a:off x="1720416" y="1329558"/>
-            <a:ext cx="402674" cy="369332"/>
+            <a:ext cx="535724" cy="369332"/>
           </a:xfrm>
           <a:prstGeom prst="rect">
             <a:avLst/>
@@ -3485,7 +3490,7 @@
           <a:p>
             <a:r>
               <a:rPr lang="fr-FR" dirty="0"/>
-              <a:t>Px</a:t>
+              <a:t>Prix</a:t>
             </a:r>
           </a:p>
         </p:txBody>
@@ -3541,7 +3546,7 @@
         <p:spPr>
           <a:xfrm>
             <a:off x="6390290" y="4582510"/>
-            <a:ext cx="1080296" cy="369332"/>
+            <a:ext cx="1048236" cy="369332"/>
           </a:xfrm>
           <a:prstGeom prst="rect">
             <a:avLst/>
@@ -3556,7 +3561,15 @@
           <a:p>
             <a:r>
               <a:rPr lang="fr-FR" dirty="0"/>
-              <a:t>Px = V’(X)</a:t>
+              <a:t>P</a:t>
+            </a:r>
+            <a:r>
+              <a:rPr lang="fr-FR" baseline="-25000" dirty="0"/>
+              <a:t>x</a:t>
+            </a:r>
+            <a:r>
+              <a:rPr lang="fr-FR" dirty="0"/>
+              <a:t> = V’(X)</a:t>
             </a:r>
           </a:p>
         </p:txBody>
@@ -3654,7 +3667,7 @@
         <p:spPr>
           <a:xfrm>
             <a:off x="4359804" y="5622324"/>
-            <a:ext cx="383438" cy="369332"/>
+            <a:ext cx="381836" cy="369332"/>
           </a:xfrm>
           <a:prstGeom prst="rect">
             <a:avLst/>
@@ -3672,8 +3685,8 @@
               <a:t>X</a:t>
             </a:r>
             <a:r>
-              <a:rPr lang="fr-FR" baseline="-25000" dirty="0"/>
-              <a:t>0</a:t>
+              <a:rPr lang="fr-FR" baseline="30000" dirty="0"/>
+              <a:t>*</a:t>
             </a:r>
             <a:endParaRPr lang="fr-FR" dirty="0"/>
           </a:p>
@@ -3694,7 +3707,7 @@
         <p:spPr>
           <a:xfrm>
             <a:off x="1803907" y="3496157"/>
-            <a:ext cx="481222" cy="369332"/>
+            <a:ext cx="370614" cy="369332"/>
           </a:xfrm>
           <a:prstGeom prst="rect">
             <a:avLst/>
@@ -3709,11 +3722,11 @@
           <a:p>
             <a:r>
               <a:rPr lang="fr-FR" dirty="0"/>
-              <a:t>Px</a:t>
+              <a:t>P</a:t>
             </a:r>
             <a:r>
               <a:rPr lang="fr-FR" baseline="-25000" dirty="0"/>
-              <a:t>0</a:t>
+              <a:t>x</a:t>
             </a:r>
             <a:endParaRPr lang="fr-FR" dirty="0"/>
           </a:p>
